--- a/Mockup Oskar k2.pptx
+++ b/Mockup Oskar k2.pptx
@@ -219,11 +219,11 @@
         </c:dLbls>
         <c:marker val="1"/>
         <c:smooth val="0"/>
-        <c:axId val="34837248"/>
-        <c:axId val="34838784"/>
+        <c:axId val="128222720"/>
+        <c:axId val="128224256"/>
       </c:lineChart>
       <c:dateAx>
-        <c:axId val="34837248"/>
+        <c:axId val="128222720"/>
         <c:scaling>
           <c:orientation val="minMax"/>
         </c:scaling>
@@ -233,14 +233,14 @@
         <c:majorTickMark val="out"/>
         <c:minorTickMark val="none"/>
         <c:tickLblPos val="nextTo"/>
-        <c:crossAx val="34838784"/>
+        <c:crossAx val="128224256"/>
         <c:crosses val="autoZero"/>
         <c:auto val="1"/>
         <c:lblOffset val="100"/>
         <c:baseTimeUnit val="days"/>
       </c:dateAx>
       <c:valAx>
-        <c:axId val="34838784"/>
+        <c:axId val="128224256"/>
         <c:scaling>
           <c:orientation val="minMax"/>
         </c:scaling>
@@ -251,7 +251,7 @@
         <c:majorTickMark val="out"/>
         <c:minorTickMark val="none"/>
         <c:tickLblPos val="nextTo"/>
-        <c:crossAx val="34837248"/>
+        <c:crossAx val="128222720"/>
         <c:crosses val="autoZero"/>
         <c:crossBetween val="between"/>
       </c:valAx>
@@ -457,7 +457,7 @@
           <a:p>
             <a:fld id="{6D8FD204-E90F-48DE-81F3-B34524C9B0F1}" type="datetimeFigureOut">
               <a:rPr lang="sv-SE" smtClean="0"/>
-              <a:t>2014-05-22</a:t>
+              <a:t>2014-06-01</a:t>
             </a:fld>
             <a:endParaRPr lang="sv-SE"/>
           </a:p>
@@ -627,7 +627,7 @@
           <a:p>
             <a:fld id="{6D8FD204-E90F-48DE-81F3-B34524C9B0F1}" type="datetimeFigureOut">
               <a:rPr lang="sv-SE" smtClean="0"/>
-              <a:t>2014-05-22</a:t>
+              <a:t>2014-06-01</a:t>
             </a:fld>
             <a:endParaRPr lang="sv-SE"/>
           </a:p>
@@ -807,7 +807,7 @@
           <a:p>
             <a:fld id="{6D8FD204-E90F-48DE-81F3-B34524C9B0F1}" type="datetimeFigureOut">
               <a:rPr lang="sv-SE" smtClean="0"/>
-              <a:t>2014-05-22</a:t>
+              <a:t>2014-06-01</a:t>
             </a:fld>
             <a:endParaRPr lang="sv-SE"/>
           </a:p>
@@ -977,7 +977,7 @@
           <a:p>
             <a:fld id="{6D8FD204-E90F-48DE-81F3-B34524C9B0F1}" type="datetimeFigureOut">
               <a:rPr lang="sv-SE" smtClean="0"/>
-              <a:t>2014-05-22</a:t>
+              <a:t>2014-06-01</a:t>
             </a:fld>
             <a:endParaRPr lang="sv-SE"/>
           </a:p>
@@ -1223,7 +1223,7 @@
           <a:p>
             <a:fld id="{6D8FD204-E90F-48DE-81F3-B34524C9B0F1}" type="datetimeFigureOut">
               <a:rPr lang="sv-SE" smtClean="0"/>
-              <a:t>2014-05-22</a:t>
+              <a:t>2014-06-01</a:t>
             </a:fld>
             <a:endParaRPr lang="sv-SE"/>
           </a:p>
@@ -1511,7 +1511,7 @@
           <a:p>
             <a:fld id="{6D8FD204-E90F-48DE-81F3-B34524C9B0F1}" type="datetimeFigureOut">
               <a:rPr lang="sv-SE" smtClean="0"/>
-              <a:t>2014-05-22</a:t>
+              <a:t>2014-06-01</a:t>
             </a:fld>
             <a:endParaRPr lang="sv-SE"/>
           </a:p>
@@ -1933,7 +1933,7 @@
           <a:p>
             <a:fld id="{6D8FD204-E90F-48DE-81F3-B34524C9B0F1}" type="datetimeFigureOut">
               <a:rPr lang="sv-SE" smtClean="0"/>
-              <a:t>2014-05-22</a:t>
+              <a:t>2014-06-01</a:t>
             </a:fld>
             <a:endParaRPr lang="sv-SE"/>
           </a:p>
@@ -2051,7 +2051,7 @@
           <a:p>
             <a:fld id="{6D8FD204-E90F-48DE-81F3-B34524C9B0F1}" type="datetimeFigureOut">
               <a:rPr lang="sv-SE" smtClean="0"/>
-              <a:t>2014-05-22</a:t>
+              <a:t>2014-06-01</a:t>
             </a:fld>
             <a:endParaRPr lang="sv-SE"/>
           </a:p>
@@ -2146,7 +2146,7 @@
           <a:p>
             <a:fld id="{6D8FD204-E90F-48DE-81F3-B34524C9B0F1}" type="datetimeFigureOut">
               <a:rPr lang="sv-SE" smtClean="0"/>
-              <a:t>2014-05-22</a:t>
+              <a:t>2014-06-01</a:t>
             </a:fld>
             <a:endParaRPr lang="sv-SE"/>
           </a:p>
@@ -2423,7 +2423,7 @@
           <a:p>
             <a:fld id="{6D8FD204-E90F-48DE-81F3-B34524C9B0F1}" type="datetimeFigureOut">
               <a:rPr lang="sv-SE" smtClean="0"/>
-              <a:t>2014-05-22</a:t>
+              <a:t>2014-06-01</a:t>
             </a:fld>
             <a:endParaRPr lang="sv-SE"/>
           </a:p>
@@ -2676,7 +2676,7 @@
           <a:p>
             <a:fld id="{6D8FD204-E90F-48DE-81F3-B34524C9B0F1}" type="datetimeFigureOut">
               <a:rPr lang="sv-SE" smtClean="0"/>
-              <a:t>2014-05-22</a:t>
+              <a:t>2014-06-01</a:t>
             </a:fld>
             <a:endParaRPr lang="sv-SE"/>
           </a:p>
@@ -2889,7 +2889,7 @@
           <a:p>
             <a:fld id="{6D8FD204-E90F-48DE-81F3-B34524C9B0F1}" type="datetimeFigureOut">
               <a:rPr lang="sv-SE" smtClean="0"/>
-              <a:t>2014-05-22</a:t>
+              <a:t>2014-06-01</a:t>
             </a:fld>
             <a:endParaRPr lang="sv-SE"/>
           </a:p>
@@ -10925,21 +10925,7 @@
                 <a:ea typeface="Open Sans Light" panose="020B0306030504020204" pitchFamily="34" charset="0"/>
                 <a:cs typeface="Open Sans Light" panose="020B0306030504020204" pitchFamily="34" charset="0"/>
               </a:rPr>
-              <a:t>Infoga text  här…_____________________________________ </a:t>
-            </a:r>
-            <a:r>
-              <a:rPr lang="sv-SE" sz="1400" u="sng" dirty="0" smtClean="0">
-                <a:solidFill>
-                  <a:schemeClr val="tx1">
-                    <a:lumMod val="50000"/>
-                    <a:lumOff val="50000"/>
-                  </a:schemeClr>
-                </a:solidFill>
-                <a:latin typeface="Open Sans Light" panose="020B0306030504020204" pitchFamily="34" charset="0"/>
-                <a:ea typeface="Open Sans Light" panose="020B0306030504020204" pitchFamily="34" charset="0"/>
-                <a:cs typeface="Open Sans Light" panose="020B0306030504020204" pitchFamily="34" charset="0"/>
-              </a:rPr>
-              <a:t>_______________________________________________________________________________________________________________________________________________________________________________________________________________________________________________________________________________________________________________________________________________________________________________________________________________________________________________________________________________________________________________</a:t>
+              <a:t>Infoga text  här…_____________________________________ _______________________________________________________________________________________________________________________________________________________________________________________________________________________________________________________________________________________________________________________________________________________________________________________________________________________________________________________________________________________________________________</a:t>
             </a:r>
             <a:endParaRPr lang="sv-SE" sz="1400" u="sng" dirty="0">
               <a:solidFill>
